--- a/week_1/part_1.pptx
+++ b/week_1/part_1.pptx
@@ -13,12 +13,11 @@
     <p:sldId id="267" r:id="rId7"/>
     <p:sldId id="268" r:id="rId8"/>
     <p:sldId id="269" r:id="rId9"/>
-    <p:sldId id="261" r:id="rId10"/>
-    <p:sldId id="262" r:id="rId11"/>
-    <p:sldId id="263" r:id="rId12"/>
-    <p:sldId id="264" r:id="rId13"/>
-    <p:sldId id="265" r:id="rId14"/>
-    <p:sldId id="266" r:id="rId15"/>
+    <p:sldId id="262" r:id="rId10"/>
+    <p:sldId id="263" r:id="rId11"/>
+    <p:sldId id="264" r:id="rId12"/>
+    <p:sldId id="265" r:id="rId13"/>
+    <p:sldId id="266" r:id="rId14"/>
   </p:sldIdLst>
   <p:sldSz cx="9144000" cy="6858000" type="screen4x3"/>
   <p:notesSz cx="6858000" cy="9144000"/>
@@ -136,6 +135,239 @@
 </p:presentation>
 </file>
 
+<file path=ppt/changesInfos/changesInfo1.xml><?xml version="1.0" encoding="utf-8"?>
+<pc:chgInfo xmlns:a="http://schemas.openxmlformats.org/drawingml/2006/main" xmlns:r="http://schemas.openxmlformats.org/officeDocument/2006/relationships" xmlns:ac="http://schemas.microsoft.com/office/drawing/2013/main/command" xmlns:pc="http://schemas.microsoft.com/office/powerpoint/2013/main/command">
+  <pc:docChgLst>
+    <pc:chgData name="michael binyamin" userId="ef277f66a907f8fc" providerId="LiveId" clId="{3BCAFC1F-201F-4BA9-A735-DEC75BAE46C1}"/>
+    <pc:docChg chg="delSld modSld">
+      <pc:chgData name="michael binyamin" userId="ef277f66a907f8fc" providerId="LiveId" clId="{3BCAFC1F-201F-4BA9-A735-DEC75BAE46C1}" dt="2024-11-10T22:58:08.833" v="265" actId="20577"/>
+      <pc:docMkLst>
+        <pc:docMk/>
+      </pc:docMkLst>
+      <pc:sldChg chg="modSp mod">
+        <pc:chgData name="michael binyamin" userId="ef277f66a907f8fc" providerId="LiveId" clId="{3BCAFC1F-201F-4BA9-A735-DEC75BAE46C1}" dt="2024-11-10T22:46:34.715" v="0" actId="122"/>
+        <pc:sldMkLst>
+          <pc:docMk/>
+          <pc:sldMk cId="0" sldId="257"/>
+        </pc:sldMkLst>
+        <pc:spChg chg="mod">
+          <ac:chgData name="michael binyamin" userId="ef277f66a907f8fc" providerId="LiveId" clId="{3BCAFC1F-201F-4BA9-A735-DEC75BAE46C1}" dt="2024-11-10T22:46:34.715" v="0" actId="122"/>
+          <ac:spMkLst>
+            <pc:docMk/>
+            <pc:sldMk cId="0" sldId="257"/>
+            <ac:spMk id="2" creationId="{00000000-0000-0000-0000-000000000000}"/>
+          </ac:spMkLst>
+        </pc:spChg>
+      </pc:sldChg>
+      <pc:sldChg chg="modSp mod">
+        <pc:chgData name="michael binyamin" userId="ef277f66a907f8fc" providerId="LiveId" clId="{3BCAFC1F-201F-4BA9-A735-DEC75BAE46C1}" dt="2024-11-10T22:46:42.675" v="1" actId="122"/>
+        <pc:sldMkLst>
+          <pc:docMk/>
+          <pc:sldMk cId="0" sldId="258"/>
+        </pc:sldMkLst>
+        <pc:spChg chg="mod">
+          <ac:chgData name="michael binyamin" userId="ef277f66a907f8fc" providerId="LiveId" clId="{3BCAFC1F-201F-4BA9-A735-DEC75BAE46C1}" dt="2024-11-10T22:46:42.675" v="1" actId="122"/>
+          <ac:spMkLst>
+            <pc:docMk/>
+            <pc:sldMk cId="0" sldId="258"/>
+            <ac:spMk id="2" creationId="{00000000-0000-0000-0000-000000000000}"/>
+          </ac:spMkLst>
+        </pc:spChg>
+      </pc:sldChg>
+      <pc:sldChg chg="modSp mod">
+        <pc:chgData name="michael binyamin" userId="ef277f66a907f8fc" providerId="LiveId" clId="{3BCAFC1F-201F-4BA9-A735-DEC75BAE46C1}" dt="2024-11-10T22:46:50.231" v="2" actId="122"/>
+        <pc:sldMkLst>
+          <pc:docMk/>
+          <pc:sldMk cId="0" sldId="259"/>
+        </pc:sldMkLst>
+        <pc:spChg chg="mod">
+          <ac:chgData name="michael binyamin" userId="ef277f66a907f8fc" providerId="LiveId" clId="{3BCAFC1F-201F-4BA9-A735-DEC75BAE46C1}" dt="2024-11-10T22:46:50.231" v="2" actId="122"/>
+          <ac:spMkLst>
+            <pc:docMk/>
+            <pc:sldMk cId="0" sldId="259"/>
+            <ac:spMk id="2" creationId="{00000000-0000-0000-0000-000000000000}"/>
+          </ac:spMkLst>
+        </pc:spChg>
+      </pc:sldChg>
+      <pc:sldChg chg="modSp mod">
+        <pc:chgData name="michael binyamin" userId="ef277f66a907f8fc" providerId="LiveId" clId="{3BCAFC1F-201F-4BA9-A735-DEC75BAE46C1}" dt="2024-11-10T22:46:57.424" v="3" actId="122"/>
+        <pc:sldMkLst>
+          <pc:docMk/>
+          <pc:sldMk cId="0" sldId="260"/>
+        </pc:sldMkLst>
+        <pc:spChg chg="mod">
+          <ac:chgData name="michael binyamin" userId="ef277f66a907f8fc" providerId="LiveId" clId="{3BCAFC1F-201F-4BA9-A735-DEC75BAE46C1}" dt="2024-11-10T22:46:57.424" v="3" actId="122"/>
+          <ac:spMkLst>
+            <pc:docMk/>
+            <pc:sldMk cId="0" sldId="260"/>
+            <ac:spMk id="2" creationId="{00000000-0000-0000-0000-000000000000}"/>
+          </ac:spMkLst>
+        </pc:spChg>
+      </pc:sldChg>
+      <pc:sldChg chg="modSp del mod">
+        <pc:chgData name="michael binyamin" userId="ef277f66a907f8fc" providerId="LiveId" clId="{3BCAFC1F-201F-4BA9-A735-DEC75BAE46C1}" dt="2024-11-10T22:56:32.291" v="227" actId="47"/>
+        <pc:sldMkLst>
+          <pc:docMk/>
+          <pc:sldMk cId="0" sldId="261"/>
+        </pc:sldMkLst>
+        <pc:spChg chg="mod">
+          <ac:chgData name="michael binyamin" userId="ef277f66a907f8fc" providerId="LiveId" clId="{3BCAFC1F-201F-4BA9-A735-DEC75BAE46C1}" dt="2024-11-10T22:47:52.167" v="10" actId="122"/>
+          <ac:spMkLst>
+            <pc:docMk/>
+            <pc:sldMk cId="0" sldId="261"/>
+            <ac:spMk id="2" creationId="{00000000-0000-0000-0000-000000000000}"/>
+          </ac:spMkLst>
+        </pc:spChg>
+      </pc:sldChg>
+      <pc:sldChg chg="modSp mod">
+        <pc:chgData name="michael binyamin" userId="ef277f66a907f8fc" providerId="LiveId" clId="{3BCAFC1F-201F-4BA9-A735-DEC75BAE46C1}" dt="2024-11-10T22:47:57.685" v="11" actId="122"/>
+        <pc:sldMkLst>
+          <pc:docMk/>
+          <pc:sldMk cId="0" sldId="262"/>
+        </pc:sldMkLst>
+        <pc:spChg chg="mod">
+          <ac:chgData name="michael binyamin" userId="ef277f66a907f8fc" providerId="LiveId" clId="{3BCAFC1F-201F-4BA9-A735-DEC75BAE46C1}" dt="2024-11-10T22:47:57.685" v="11" actId="122"/>
+          <ac:spMkLst>
+            <pc:docMk/>
+            <pc:sldMk cId="0" sldId="262"/>
+            <ac:spMk id="2" creationId="{00000000-0000-0000-0000-000000000000}"/>
+          </ac:spMkLst>
+        </pc:spChg>
+      </pc:sldChg>
+      <pc:sldChg chg="modSp mod">
+        <pc:chgData name="michael binyamin" userId="ef277f66a907f8fc" providerId="LiveId" clId="{3BCAFC1F-201F-4BA9-A735-DEC75BAE46C1}" dt="2024-11-10T22:48:01.630" v="12" actId="122"/>
+        <pc:sldMkLst>
+          <pc:docMk/>
+          <pc:sldMk cId="0" sldId="263"/>
+        </pc:sldMkLst>
+        <pc:spChg chg="mod">
+          <ac:chgData name="michael binyamin" userId="ef277f66a907f8fc" providerId="LiveId" clId="{3BCAFC1F-201F-4BA9-A735-DEC75BAE46C1}" dt="2024-11-10T22:48:01.630" v="12" actId="122"/>
+          <ac:spMkLst>
+            <pc:docMk/>
+            <pc:sldMk cId="0" sldId="263"/>
+            <ac:spMk id="2" creationId="{00000000-0000-0000-0000-000000000000}"/>
+          </ac:spMkLst>
+        </pc:spChg>
+      </pc:sldChg>
+      <pc:sldChg chg="modSp mod">
+        <pc:chgData name="michael binyamin" userId="ef277f66a907f8fc" providerId="LiveId" clId="{3BCAFC1F-201F-4BA9-A735-DEC75BAE46C1}" dt="2024-11-10T22:48:05.568" v="13" actId="122"/>
+        <pc:sldMkLst>
+          <pc:docMk/>
+          <pc:sldMk cId="0" sldId="264"/>
+        </pc:sldMkLst>
+        <pc:spChg chg="mod">
+          <ac:chgData name="michael binyamin" userId="ef277f66a907f8fc" providerId="LiveId" clId="{3BCAFC1F-201F-4BA9-A735-DEC75BAE46C1}" dt="2024-11-10T22:48:05.568" v="13" actId="122"/>
+          <ac:spMkLst>
+            <pc:docMk/>
+            <pc:sldMk cId="0" sldId="264"/>
+            <ac:spMk id="2" creationId="{00000000-0000-0000-0000-000000000000}"/>
+          </ac:spMkLst>
+        </pc:spChg>
+      </pc:sldChg>
+      <pc:sldChg chg="modSp mod">
+        <pc:chgData name="michael binyamin" userId="ef277f66a907f8fc" providerId="LiveId" clId="{3BCAFC1F-201F-4BA9-A735-DEC75BAE46C1}" dt="2024-11-10T22:48:09.429" v="14" actId="122"/>
+        <pc:sldMkLst>
+          <pc:docMk/>
+          <pc:sldMk cId="0" sldId="265"/>
+        </pc:sldMkLst>
+        <pc:spChg chg="mod">
+          <ac:chgData name="michael binyamin" userId="ef277f66a907f8fc" providerId="LiveId" clId="{3BCAFC1F-201F-4BA9-A735-DEC75BAE46C1}" dt="2024-11-10T22:48:09.429" v="14" actId="122"/>
+          <ac:spMkLst>
+            <pc:docMk/>
+            <pc:sldMk cId="0" sldId="265"/>
+            <ac:spMk id="2" creationId="{00000000-0000-0000-0000-000000000000}"/>
+          </ac:spMkLst>
+        </pc:spChg>
+      </pc:sldChg>
+      <pc:sldChg chg="modSp mod">
+        <pc:chgData name="michael binyamin" userId="ef277f66a907f8fc" providerId="LiveId" clId="{3BCAFC1F-201F-4BA9-A735-DEC75BAE46C1}" dt="2024-11-10T22:58:08.833" v="265" actId="20577"/>
+        <pc:sldMkLst>
+          <pc:docMk/>
+          <pc:sldMk cId="0" sldId="266"/>
+        </pc:sldMkLst>
+        <pc:spChg chg="mod">
+          <ac:chgData name="michael binyamin" userId="ef277f66a907f8fc" providerId="LiveId" clId="{3BCAFC1F-201F-4BA9-A735-DEC75BAE46C1}" dt="2024-11-10T22:48:14.123" v="15" actId="122"/>
+          <ac:spMkLst>
+            <pc:docMk/>
+            <pc:sldMk cId="0" sldId="266"/>
+            <ac:spMk id="2" creationId="{00000000-0000-0000-0000-000000000000}"/>
+          </ac:spMkLst>
+        </pc:spChg>
+        <pc:spChg chg="mod">
+          <ac:chgData name="michael binyamin" userId="ef277f66a907f8fc" providerId="LiveId" clId="{3BCAFC1F-201F-4BA9-A735-DEC75BAE46C1}" dt="2024-11-10T22:58:08.833" v="265" actId="20577"/>
+          <ac:spMkLst>
+            <pc:docMk/>
+            <pc:sldMk cId="0" sldId="266"/>
+            <ac:spMk id="3" creationId="{00000000-0000-0000-0000-000000000000}"/>
+          </ac:spMkLst>
+        </pc:spChg>
+      </pc:sldChg>
+      <pc:sldChg chg="modSp mod">
+        <pc:chgData name="michael binyamin" userId="ef277f66a907f8fc" providerId="LiveId" clId="{3BCAFC1F-201F-4BA9-A735-DEC75BAE46C1}" dt="2024-11-10T22:47:03.328" v="4" actId="122"/>
+        <pc:sldMkLst>
+          <pc:docMk/>
+          <pc:sldMk cId="1549366057" sldId="267"/>
+        </pc:sldMkLst>
+        <pc:spChg chg="mod">
+          <ac:chgData name="michael binyamin" userId="ef277f66a907f8fc" providerId="LiveId" clId="{3BCAFC1F-201F-4BA9-A735-DEC75BAE46C1}" dt="2024-11-10T22:47:03.328" v="4" actId="122"/>
+          <ac:spMkLst>
+            <pc:docMk/>
+            <pc:sldMk cId="1549366057" sldId="267"/>
+            <ac:spMk id="2" creationId="{0224BB06-6BBD-81B7-E11B-2D0223CD4D06}"/>
+          </ac:spMkLst>
+        </pc:spChg>
+      </pc:sldChg>
+      <pc:sldChg chg="modSp mod">
+        <pc:chgData name="michael binyamin" userId="ef277f66a907f8fc" providerId="LiveId" clId="{3BCAFC1F-201F-4BA9-A735-DEC75BAE46C1}" dt="2024-11-10T22:55:18.150" v="223" actId="20577"/>
+        <pc:sldMkLst>
+          <pc:docMk/>
+          <pc:sldMk cId="2364438022" sldId="268"/>
+        </pc:sldMkLst>
+        <pc:spChg chg="mod">
+          <ac:chgData name="michael binyamin" userId="ef277f66a907f8fc" providerId="LiveId" clId="{3BCAFC1F-201F-4BA9-A735-DEC75BAE46C1}" dt="2024-11-10T22:47:23.669" v="9" actId="20577"/>
+          <ac:spMkLst>
+            <pc:docMk/>
+            <pc:sldMk cId="2364438022" sldId="268"/>
+            <ac:spMk id="2" creationId="{0EFEAA22-2849-8FBF-F9D2-8537EC5E5447}"/>
+          </ac:spMkLst>
+        </pc:spChg>
+        <pc:spChg chg="mod">
+          <ac:chgData name="michael binyamin" userId="ef277f66a907f8fc" providerId="LiveId" clId="{3BCAFC1F-201F-4BA9-A735-DEC75BAE46C1}" dt="2024-11-10T22:55:18.150" v="223" actId="20577"/>
+          <ac:spMkLst>
+            <pc:docMk/>
+            <pc:sldMk cId="2364438022" sldId="268"/>
+            <ac:spMk id="3" creationId="{E4BDAD86-551B-5BB0-4D49-F8C5EAB83950}"/>
+          </ac:spMkLst>
+        </pc:spChg>
+      </pc:sldChg>
+      <pc:sldChg chg="modSp mod">
+        <pc:chgData name="michael binyamin" userId="ef277f66a907f8fc" providerId="LiveId" clId="{3BCAFC1F-201F-4BA9-A735-DEC75BAE46C1}" dt="2024-11-10T22:55:58.760" v="226" actId="20577"/>
+        <pc:sldMkLst>
+          <pc:docMk/>
+          <pc:sldMk cId="3989290246" sldId="269"/>
+        </pc:sldMkLst>
+        <pc:spChg chg="mod">
+          <ac:chgData name="michael binyamin" userId="ef277f66a907f8fc" providerId="LiveId" clId="{3BCAFC1F-201F-4BA9-A735-DEC75BAE46C1}" dt="2024-11-10T22:53:41.090" v="220" actId="122"/>
+          <ac:spMkLst>
+            <pc:docMk/>
+            <pc:sldMk cId="3989290246" sldId="269"/>
+            <ac:spMk id="2" creationId="{08CE99BA-33A7-BC34-C5AF-000ED5B9A528}"/>
+          </ac:spMkLst>
+        </pc:spChg>
+        <pc:spChg chg="mod">
+          <ac:chgData name="michael binyamin" userId="ef277f66a907f8fc" providerId="LiveId" clId="{3BCAFC1F-201F-4BA9-A735-DEC75BAE46C1}" dt="2024-11-10T22:55:58.760" v="226" actId="20577"/>
+          <ac:spMkLst>
+            <pc:docMk/>
+            <pc:sldMk cId="3989290246" sldId="269"/>
+            <ac:spMk id="3" creationId="{7C0C5FE2-5C12-4034-7D8E-86CA53BBD796}"/>
+          </ac:spMkLst>
+        </pc:spChg>
+      </pc:sldChg>
+    </pc:docChg>
+  </pc:docChgLst>
+</pc:chgInfo>
+</file>
+
 <file path=ppt/slideLayouts/slideLayout1.xml><?xml version="1.0" encoding="utf-8"?>
 <p:sldLayout xmlns:a="http://schemas.openxmlformats.org/drawingml/2006/main" xmlns:r="http://schemas.openxmlformats.org/officeDocument/2006/relationships" xmlns:p="http://schemas.openxmlformats.org/presentationml/2006/main" type="title" preserve="1">
   <p:cSld name="Title Slide">
@@ -275,7 +507,7 @@
           <a:p>
             <a:fld id="{5BCAD085-E8A6-8845-BD4E-CB4CCA059FC4}" type="datetimeFigureOut">
               <a:rPr lang="en-US" smtClean="0"/>
-              <a:t>11/10/2024</a:t>
+              <a:t>11/11/2024</a:t>
             </a:fld>
             <a:endParaRPr lang="en-US"/>
           </a:p>
@@ -517,7 +749,7 @@
           <a:p>
             <a:fld id="{5BCAD085-E8A6-8845-BD4E-CB4CCA059FC4}" type="datetimeFigureOut">
               <a:rPr lang="en-US" smtClean="0"/>
-              <a:t>11/10/2024</a:t>
+              <a:t>11/11/2024</a:t>
             </a:fld>
             <a:endParaRPr lang="en-US"/>
           </a:p>
@@ -701,7 +933,7 @@
           <a:p>
             <a:fld id="{5BCAD085-E8A6-8845-BD4E-CB4CCA059FC4}" type="datetimeFigureOut">
               <a:rPr lang="en-US" smtClean="0"/>
-              <a:t>11/10/2024</a:t>
+              <a:t>11/11/2024</a:t>
             </a:fld>
             <a:endParaRPr lang="en-US"/>
           </a:p>
@@ -902,7 +1134,7 @@
           <a:p>
             <a:fld id="{5BCAD085-E8A6-8845-BD4E-CB4CCA059FC4}" type="datetimeFigureOut">
               <a:rPr lang="en-US" smtClean="0"/>
-              <a:t>11/10/2024</a:t>
+              <a:t>11/11/2024</a:t>
             </a:fld>
             <a:endParaRPr lang="en-US"/>
           </a:p>
@@ -1181,7 +1413,7 @@
           <a:p>
             <a:fld id="{5BCAD085-E8A6-8845-BD4E-CB4CCA059FC4}" type="datetimeFigureOut">
               <a:rPr lang="en-US" smtClean="0"/>
-              <a:t>11/10/2024</a:t>
+              <a:t>11/11/2024</a:t>
             </a:fld>
             <a:endParaRPr lang="en-US"/>
           </a:p>
@@ -1449,7 +1681,7 @@
           <a:p>
             <a:fld id="{5BCAD085-E8A6-8845-BD4E-CB4CCA059FC4}" type="datetimeFigureOut">
               <a:rPr lang="en-US" smtClean="0"/>
-              <a:t>11/10/2024</a:t>
+              <a:t>11/11/2024</a:t>
             </a:fld>
             <a:endParaRPr lang="en-US"/>
           </a:p>
@@ -1896,7 +2128,7 @@
           <a:p>
             <a:fld id="{5BCAD085-E8A6-8845-BD4E-CB4CCA059FC4}" type="datetimeFigureOut">
               <a:rPr lang="en-US" smtClean="0"/>
-              <a:t>11/10/2024</a:t>
+              <a:t>11/11/2024</a:t>
             </a:fld>
             <a:endParaRPr lang="en-US"/>
           </a:p>
@@ -2045,7 +2277,7 @@
           <a:p>
             <a:fld id="{5BCAD085-E8A6-8845-BD4E-CB4CCA059FC4}" type="datetimeFigureOut">
               <a:rPr lang="en-US" smtClean="0"/>
-              <a:t>11/10/2024</a:t>
+              <a:t>11/11/2024</a:t>
             </a:fld>
             <a:endParaRPr lang="en-US"/>
           </a:p>
@@ -2140,7 +2372,7 @@
           <a:p>
             <a:fld id="{5BCAD085-E8A6-8845-BD4E-CB4CCA059FC4}" type="datetimeFigureOut">
               <a:rPr lang="en-US" smtClean="0"/>
-              <a:t>11/10/2024</a:t>
+              <a:t>11/11/2024</a:t>
             </a:fld>
             <a:endParaRPr lang="en-US"/>
           </a:p>
@@ -2393,7 +2625,7 @@
           <a:p>
             <a:fld id="{5BCAD085-E8A6-8845-BD4E-CB4CCA059FC4}" type="datetimeFigureOut">
               <a:rPr lang="en-US" smtClean="0"/>
-              <a:t>11/10/2024</a:t>
+              <a:t>11/11/2024</a:t>
             </a:fld>
             <a:endParaRPr lang="en-US"/>
           </a:p>
@@ -2838,7 +3070,7 @@
           <a:p>
             <a:fld id="{5BCAD085-E8A6-8845-BD4E-CB4CCA059FC4}" type="datetimeFigureOut">
               <a:rPr lang="en-US" smtClean="0"/>
-              <a:t>11/10/2024</a:t>
+              <a:t>11/11/2024</a:t>
             </a:fld>
             <a:endParaRPr lang="en-US"/>
           </a:p>
@@ -3202,7 +3434,7 @@
           <a:p>
             <a:fld id="{5BCAD085-E8A6-8845-BD4E-CB4CCA059FC4}" type="datetimeFigureOut">
               <a:rPr lang="en-US" smtClean="0"/>
-              <a:t>11/10/2024</a:t>
+              <a:t>11/11/2024</a:t>
             </a:fld>
             <a:endParaRPr lang="en-US"/>
           </a:p>
@@ -3797,17 +4029,18 @@
           <a:bodyPr/>
           <a:lstStyle/>
           <a:p>
-            <a:r>
-              <a:rPr dirty="0" err="1"/>
-              <a:t>משאבים</a:t>
-            </a:r>
-            <a:r>
-              <a:rPr dirty="0"/>
-              <a:t> </a:t>
-            </a:r>
-            <a:r>
-              <a:rPr dirty="0" err="1"/>
-              <a:t>במשחק</a:t>
+            <a:pPr algn="ctr"/>
+            <a:r>
+              <a:rPr dirty="0" err="1"/>
+              <a:t>עימותים</a:t>
+            </a:r>
+            <a:r>
+              <a:rPr dirty="0"/>
+              <a:t> </a:t>
+            </a:r>
+            <a:r>
+              <a:rPr dirty="0" err="1"/>
+              <a:t>מרכזיים</a:t>
             </a:r>
             <a:endParaRPr dirty="0"/>
           </a:p>
@@ -3825,15 +4058,72 @@
         </p:nvSpPr>
         <p:spPr/>
         <p:txBody>
-          <a:bodyPr>
-            <a:normAutofit/>
-          </a:bodyPr>
+          <a:bodyPr/>
           <a:lstStyle/>
           <a:p>
             <a:pPr algn="r" rtl="1"/>
             <a:r>
               <a:rPr dirty="0" err="1"/>
-              <a:t>משאבים</a:t>
+              <a:t>מכשולים</a:t>
+            </a:r>
+            <a:r>
+              <a:rPr dirty="0"/>
+              <a:t> </a:t>
+            </a:r>
+            <a:r>
+              <a:rPr dirty="0" err="1"/>
+              <a:t>במסלול</a:t>
+            </a:r>
+            <a:r>
+              <a:rPr dirty="0"/>
+              <a:t>, </a:t>
+            </a:r>
+            <a:r>
+              <a:rPr dirty="0" err="1"/>
+              <a:t>יריבים</a:t>
+            </a:r>
+            <a:r>
+              <a:rPr dirty="0"/>
+              <a:t> </a:t>
+            </a:r>
+            <a:r>
+              <a:rPr dirty="0" err="1"/>
+              <a:t>שמשתמשים</a:t>
+            </a:r>
+            <a:r>
+              <a:rPr dirty="0"/>
+              <a:t> </a:t>
+            </a:r>
+            <a:r>
+              <a:rPr dirty="0" err="1"/>
+              <a:t>בכוחות</a:t>
+            </a:r>
+            <a:r>
+              <a:rPr dirty="0"/>
+              <a:t> </a:t>
+            </a:r>
+            <a:r>
+              <a:rPr dirty="0" err="1"/>
+              <a:t>נגדייים</a:t>
+            </a:r>
+            <a:r>
+              <a:rPr dirty="0"/>
+              <a:t>.</a:t>
+            </a:r>
+          </a:p>
+          <a:p>
+            <a:pPr algn="r" rtl="1"/>
+            <a:r>
+              <a:rPr dirty="0" err="1"/>
+              <a:t>הדילמות</a:t>
+            </a:r>
+            <a:r>
+              <a:rPr dirty="0"/>
+              <a:t> </a:t>
+            </a:r>
+            <a:r>
+              <a:rPr dirty="0" err="1"/>
+              <a:t>כוללות</a:t>
             </a:r>
             <a:r>
               <a:rPr dirty="0"/>
@@ -3841,7 +4131,31 @@
             </a:r>
             <a:r>
               <a:rPr dirty="0" err="1"/>
-              <a:t>מטבעות</a:t>
+              <a:t>מתי</a:t>
+            </a:r>
+            <a:r>
+              <a:rPr dirty="0"/>
+              <a:t> </a:t>
+            </a:r>
+            <a:r>
+              <a:rPr dirty="0" err="1"/>
+              <a:t>להשתמש</a:t>
+            </a:r>
+            <a:r>
+              <a:rPr dirty="0"/>
+              <a:t> </a:t>
+            </a:r>
+            <a:r>
+              <a:rPr dirty="0" err="1"/>
+              <a:t>בכוח</a:t>
+            </a:r>
+            <a:r>
+              <a:rPr dirty="0"/>
+              <a:t> </a:t>
+            </a:r>
+            <a:r>
+              <a:rPr dirty="0" err="1"/>
+              <a:t>מיוחד</a:t>
             </a:r>
             <a:r>
               <a:rPr dirty="0"/>
@@ -3849,31 +4163,23 @@
             </a:r>
             <a:r>
               <a:rPr dirty="0" err="1"/>
-              <a:t>כוחות</a:t>
-            </a:r>
-            <a:r>
-              <a:rPr dirty="0"/>
-              <a:t> </a:t>
-            </a:r>
-            <a:r>
-              <a:rPr dirty="0" err="1"/>
-              <a:t>מיוחדים</a:t>
-            </a:r>
-            <a:r>
-              <a:rPr dirty="0"/>
-              <a:t>, </a:t>
-            </a:r>
-            <a:r>
-              <a:rPr dirty="0" err="1"/>
-              <a:t>ושדרוגי</a:t>
-            </a:r>
-            <a:r>
-              <a:rPr dirty="0"/>
-              <a:t> </a:t>
-            </a:r>
-            <a:r>
-              <a:rPr dirty="0" err="1"/>
-              <a:t>דמות</a:t>
+              <a:t>באיזה</a:t>
+            </a:r>
+            <a:r>
+              <a:rPr dirty="0"/>
+              <a:t> </a:t>
+            </a:r>
+            <a:r>
+              <a:rPr dirty="0" err="1"/>
+              <a:t>מסלול</a:t>
+            </a:r>
+            <a:r>
+              <a:rPr dirty="0"/>
+              <a:t> </a:t>
+            </a:r>
+            <a:r>
+              <a:rPr dirty="0" err="1"/>
+              <a:t>לבחור</a:t>
             </a:r>
             <a:r>
               <a:rPr dirty="0"/>
@@ -3884,142 +4190,39 @@
             <a:pPr algn="r" rtl="1"/>
             <a:r>
               <a:rPr dirty="0" err="1"/>
-              <a:t>ניתן</a:t>
-            </a:r>
-            <a:r>
-              <a:rPr dirty="0"/>
-              <a:t> </a:t>
-            </a:r>
-            <a:r>
-              <a:rPr dirty="0" err="1"/>
-              <a:t>להשיג</a:t>
-            </a:r>
-            <a:r>
-              <a:rPr dirty="0"/>
-              <a:t> </a:t>
-            </a:r>
-            <a:r>
-              <a:rPr dirty="0" err="1"/>
-              <a:t>משאבים</a:t>
-            </a:r>
-            <a:r>
-              <a:rPr dirty="0"/>
-              <a:t> </a:t>
-            </a:r>
-            <a:r>
-              <a:rPr dirty="0" err="1"/>
-              <a:t>דרך</a:t>
-            </a:r>
-            <a:r>
-              <a:rPr dirty="0"/>
-              <a:t> </a:t>
-            </a:r>
-            <a:r>
-              <a:rPr dirty="0" err="1"/>
-              <a:t>ניצחונות</a:t>
-            </a:r>
-            <a:r>
-              <a:rPr dirty="0"/>
-              <a:t> </a:t>
-            </a:r>
-            <a:r>
-              <a:rPr dirty="0" err="1"/>
-              <a:t>במשחקים</a:t>
-            </a:r>
-            <a:r>
-              <a:rPr lang="he-IL" dirty="0"/>
-              <a:t>, במהלך הריצה במשחקים </a:t>
-            </a:r>
-            <a:r>
-              <a:rPr dirty="0" err="1"/>
-              <a:t>או</a:t>
-            </a:r>
-            <a:r>
-              <a:rPr dirty="0"/>
-              <a:t> </a:t>
-            </a:r>
-            <a:r>
-              <a:rPr dirty="0" err="1"/>
-              <a:t>רכישות</a:t>
-            </a:r>
-            <a:r>
-              <a:rPr dirty="0"/>
-              <a:t>.</a:t>
-            </a:r>
-            <a:endParaRPr lang="he-IL" dirty="0"/>
-          </a:p>
-          <a:p>
-            <a:pPr algn="r" rtl="1"/>
-            <a:r>
-              <a:rPr lang="he-IL" dirty="0"/>
-              <a:t>המשאבים מועילים לשחקן בלהפיל את היריבים,להשיג כוחות מיוחדים בזמן הריצה, ולעצב את הדמות</a:t>
-            </a:r>
-          </a:p>
-          <a:p>
-            <a:pPr algn="r" rtl="1"/>
-            <a:r>
-              <a:rPr dirty="0" err="1"/>
-              <a:t>המשאבים</a:t>
-            </a:r>
-            <a:r>
-              <a:rPr dirty="0"/>
-              <a:t> </a:t>
-            </a:r>
-            <a:r>
-              <a:rPr dirty="0" err="1"/>
-              <a:t>נדירים</a:t>
-            </a:r>
-            <a:r>
-              <a:rPr dirty="0"/>
-              <a:t> </a:t>
-            </a:r>
-            <a:r>
-              <a:rPr dirty="0" err="1"/>
-              <a:t>יחסית</a:t>
-            </a:r>
-            <a:r>
-              <a:rPr lang="he-IL" dirty="0"/>
-              <a:t> והם מופיעים באמצע המירוץ לרוב בתור סימן שאלה וצריך להשיג אותם</a:t>
-            </a:r>
-            <a:r>
-              <a:rPr dirty="0"/>
-              <a:t>, </a:t>
-            </a:r>
-            <a:r>
-              <a:rPr dirty="0" err="1"/>
-              <a:t>מה</a:t>
-            </a:r>
-            <a:r>
-              <a:rPr dirty="0"/>
-              <a:t> </a:t>
-            </a:r>
-            <a:r>
-              <a:rPr dirty="0" err="1"/>
-              <a:t>שגורם</a:t>
-            </a:r>
-            <a:r>
-              <a:rPr dirty="0"/>
-              <a:t> </a:t>
-            </a:r>
-            <a:r>
-              <a:rPr dirty="0" err="1"/>
-              <a:t>לשחקנים</a:t>
-            </a:r>
-            <a:r>
-              <a:rPr dirty="0"/>
-              <a:t> </a:t>
-            </a:r>
-            <a:r>
-              <a:rPr dirty="0" err="1"/>
-              <a:t>לתכנן</a:t>
-            </a:r>
-            <a:r>
-              <a:rPr dirty="0"/>
-              <a:t> </a:t>
-            </a:r>
-            <a:r>
-              <a:rPr dirty="0" err="1"/>
-              <a:t>אסטרטגיות</a:t>
+              <a:t>העימותים</a:t>
+            </a:r>
+            <a:r>
+              <a:rPr dirty="0"/>
+              <a:t> </a:t>
+            </a:r>
+            <a:r>
+              <a:rPr dirty="0" err="1"/>
+              <a:t>תורמים</a:t>
+            </a:r>
+            <a:r>
+              <a:rPr dirty="0"/>
+              <a:t> </a:t>
+            </a:r>
+            <a:r>
+              <a:rPr dirty="0" err="1"/>
+              <a:t>לחוויית</a:t>
+            </a:r>
+            <a:r>
+              <a:rPr dirty="0"/>
+              <a:t> </a:t>
+            </a:r>
+            <a:r>
+              <a:rPr dirty="0" err="1"/>
+              <a:t>מתח</a:t>
+            </a:r>
+            <a:r>
+              <a:rPr dirty="0"/>
+              <a:t> </a:t>
+            </a:r>
+            <a:r>
+              <a:rPr dirty="0" err="1"/>
+              <a:t>והנאה</a:t>
             </a:r>
             <a:r>
               <a:rPr dirty="0"/>
@@ -4068,9 +4271,20 @@
           <a:bodyPr/>
           <a:lstStyle/>
           <a:p>
-            <a:r>
-              <a:t>עימותים מרכזיים</a:t>
-            </a:r>
+            <a:pPr algn="ctr"/>
+            <a:r>
+              <a:rPr dirty="0" err="1"/>
+              <a:t>גבולות</a:t>
+            </a:r>
+            <a:r>
+              <a:rPr dirty="0"/>
+              <a:t> </a:t>
+            </a:r>
+            <a:r>
+              <a:rPr dirty="0" err="1"/>
+              <a:t>המשחק</a:t>
+            </a:r>
+            <a:endParaRPr dirty="0"/>
           </a:p>
         </p:txBody>
       </p:sp>
@@ -4092,7 +4306,74 @@
             <a:pPr algn="r" rtl="1"/>
             <a:r>
               <a:rPr dirty="0" err="1"/>
-              <a:t>מכשולים</a:t>
+              <a:t>העולם</a:t>
+            </a:r>
+            <a:r>
+              <a:rPr dirty="0"/>
+              <a:t> </a:t>
+            </a:r>
+            <a:r>
+              <a:rPr dirty="0" err="1"/>
+              <a:t>הוא</a:t>
+            </a:r>
+            <a:r>
+              <a:rPr dirty="0"/>
+              <a:t> </a:t>
+            </a:r>
+            <a:r>
+              <a:rPr dirty="0" err="1"/>
+              <a:t>סגור</a:t>
+            </a:r>
+            <a:r>
+              <a:rPr dirty="0"/>
+              <a:t> </a:t>
+            </a:r>
+            <a:r>
+              <a:rPr dirty="0" err="1"/>
+              <a:t>עם</a:t>
+            </a:r>
+            <a:r>
+              <a:rPr dirty="0"/>
+              <a:t> </a:t>
+            </a:r>
+            <a:r>
+              <a:rPr dirty="0" err="1"/>
+              <a:t>מסלולים</a:t>
+            </a:r>
+            <a:r>
+              <a:rPr dirty="0"/>
+              <a:t> </a:t>
+            </a:r>
+            <a:r>
+              <a:rPr dirty="0" err="1"/>
+              <a:t>מוגדרים</a:t>
+            </a:r>
+            <a:r>
+              <a:rPr dirty="0"/>
+              <a:t> </a:t>
+            </a:r>
+            <a:r>
+              <a:rPr dirty="0" err="1"/>
+              <a:t>מראש</a:t>
+            </a:r>
+            <a:r>
+              <a:rPr dirty="0"/>
+              <a:t>.</a:t>
+            </a:r>
+          </a:p>
+          <a:p>
+            <a:pPr algn="r" rtl="1"/>
+            <a:r>
+              <a:rPr dirty="0" err="1"/>
+              <a:t>כל</a:t>
+            </a:r>
+            <a:r>
+              <a:rPr dirty="0"/>
+              <a:t> </a:t>
+            </a:r>
+            <a:r>
+              <a:rPr dirty="0" err="1"/>
+              <a:t>מקום</a:t>
             </a:r>
             <a:r>
               <a:rPr dirty="0"/>
@@ -4104,35 +4385,59 @@
             </a:r>
             <a:r>
               <a:rPr dirty="0"/>
-              <a:t>, </a:t>
-            </a:r>
-            <a:r>
-              <a:rPr dirty="0" err="1"/>
-              <a:t>יריבים</a:t>
-            </a:r>
-            <a:r>
-              <a:rPr dirty="0"/>
-              <a:t> </a:t>
-            </a:r>
-            <a:r>
-              <a:rPr dirty="0" err="1"/>
-              <a:t>שמשתמשים</a:t>
-            </a:r>
-            <a:r>
-              <a:rPr dirty="0"/>
-              <a:t> </a:t>
-            </a:r>
-            <a:r>
-              <a:rPr dirty="0" err="1"/>
-              <a:t>בכוחות</a:t>
-            </a:r>
-            <a:r>
-              <a:rPr dirty="0"/>
-              <a:t> </a:t>
-            </a:r>
-            <a:r>
-              <a:rPr dirty="0" err="1"/>
-              <a:t>נגדייים</a:t>
+              <a:t> </a:t>
+            </a:r>
+            <a:r>
+              <a:rPr dirty="0" err="1"/>
+              <a:t>מתוכנן</a:t>
+            </a:r>
+            <a:r>
+              <a:rPr dirty="0"/>
+              <a:t> </a:t>
+            </a:r>
+            <a:r>
+              <a:rPr dirty="0" err="1"/>
+              <a:t>בקפידה</a:t>
+            </a:r>
+            <a:r>
+              <a:rPr dirty="0"/>
+              <a:t> </a:t>
+            </a:r>
+            <a:r>
+              <a:rPr dirty="0" err="1"/>
+              <a:t>כדי</a:t>
+            </a:r>
+            <a:r>
+              <a:rPr dirty="0"/>
+              <a:t> </a:t>
+            </a:r>
+            <a:r>
+              <a:rPr dirty="0" err="1"/>
+              <a:t>ליצור</a:t>
+            </a:r>
+            <a:r>
+              <a:rPr dirty="0"/>
+              <a:t> </a:t>
+            </a:r>
+            <a:r>
+              <a:rPr dirty="0" err="1"/>
+              <a:t>חוויית</a:t>
+            </a:r>
+            <a:r>
+              <a:rPr dirty="0"/>
+              <a:t> </a:t>
+            </a:r>
+            <a:r>
+              <a:rPr dirty="0" err="1"/>
+              <a:t>משחק</a:t>
+            </a:r>
+            <a:r>
+              <a:rPr dirty="0"/>
+              <a:t> </a:t>
+            </a:r>
+            <a:r>
+              <a:rPr dirty="0" err="1"/>
+              <a:t>מאתגרת</a:t>
             </a:r>
             <a:r>
               <a:rPr dirty="0"/>
@@ -4143,114 +4448,71 @@
             <a:pPr algn="r" rtl="1"/>
             <a:r>
               <a:rPr dirty="0" err="1"/>
-              <a:t>הדילמות</a:t>
-            </a:r>
-            <a:r>
-              <a:rPr dirty="0"/>
-              <a:t> </a:t>
-            </a:r>
-            <a:r>
-              <a:rPr dirty="0" err="1"/>
-              <a:t>כוללות</a:t>
-            </a:r>
-            <a:r>
-              <a:rPr dirty="0"/>
-              <a:t>: </a:t>
-            </a:r>
-            <a:r>
-              <a:rPr dirty="0" err="1"/>
-              <a:t>מתי</a:t>
-            </a:r>
-            <a:r>
-              <a:rPr dirty="0"/>
-              <a:t> </a:t>
-            </a:r>
-            <a:r>
-              <a:rPr dirty="0" err="1"/>
-              <a:t>להשתמש</a:t>
-            </a:r>
-            <a:r>
-              <a:rPr dirty="0"/>
-              <a:t> </a:t>
-            </a:r>
-            <a:r>
-              <a:rPr dirty="0" err="1"/>
-              <a:t>בכוח</a:t>
-            </a:r>
-            <a:r>
-              <a:rPr dirty="0"/>
-              <a:t> </a:t>
-            </a:r>
-            <a:r>
-              <a:rPr dirty="0" err="1"/>
-              <a:t>מיוחד</a:t>
-            </a:r>
-            <a:r>
-              <a:rPr dirty="0"/>
-              <a:t>, </a:t>
-            </a:r>
-            <a:r>
-              <a:rPr dirty="0" err="1"/>
-              <a:t>באיזה</a:t>
-            </a:r>
-            <a:r>
-              <a:rPr dirty="0"/>
-              <a:t> </a:t>
-            </a:r>
-            <a:r>
-              <a:rPr dirty="0" err="1"/>
-              <a:t>מסלול</a:t>
-            </a:r>
-            <a:r>
-              <a:rPr dirty="0"/>
-              <a:t> </a:t>
-            </a:r>
-            <a:r>
-              <a:rPr dirty="0" err="1"/>
-              <a:t>לבחור</a:t>
-            </a:r>
-            <a:r>
-              <a:rPr dirty="0"/>
-              <a:t>.</a:t>
-            </a:r>
-          </a:p>
-          <a:p>
-            <a:pPr algn="r" rtl="1"/>
-            <a:r>
-              <a:rPr dirty="0" err="1"/>
-              <a:t>העימותים</a:t>
-            </a:r>
-            <a:r>
-              <a:rPr dirty="0"/>
-              <a:t> </a:t>
-            </a:r>
-            <a:r>
-              <a:rPr dirty="0" err="1"/>
-              <a:t>תורמים</a:t>
-            </a:r>
-            <a:r>
-              <a:rPr dirty="0"/>
-              <a:t> </a:t>
-            </a:r>
-            <a:r>
-              <a:rPr dirty="0" err="1"/>
-              <a:t>לחוויית</a:t>
-            </a:r>
-            <a:r>
-              <a:rPr dirty="0"/>
-              <a:t> </a:t>
-            </a:r>
-            <a:r>
-              <a:rPr dirty="0" err="1"/>
-              <a:t>מתח</a:t>
-            </a:r>
-            <a:r>
-              <a:rPr dirty="0"/>
-              <a:t> </a:t>
-            </a:r>
-            <a:r>
-              <a:rPr dirty="0" err="1"/>
-              <a:t>והנאה</a:t>
+              <a:t>קל</a:t>
+            </a:r>
+            <a:r>
+              <a:rPr dirty="0"/>
+              <a:t> </a:t>
+            </a:r>
+            <a:r>
+              <a:rPr dirty="0" err="1"/>
+              <a:t>להתמצא</a:t>
+            </a:r>
+            <a:r>
+              <a:rPr dirty="0"/>
+              <a:t> </a:t>
+            </a:r>
+            <a:r>
+              <a:rPr dirty="0" err="1"/>
+              <a:t>בעולם</a:t>
+            </a:r>
+            <a:r>
+              <a:rPr dirty="0"/>
+              <a:t> </a:t>
+            </a:r>
+            <a:r>
+              <a:rPr dirty="0" err="1"/>
+              <a:t>המשחק</a:t>
+            </a:r>
+            <a:r>
+              <a:rPr dirty="0"/>
+              <a:t> </a:t>
+            </a:r>
+            <a:r>
+              <a:rPr dirty="0" err="1"/>
+              <a:t>בזכות</a:t>
+            </a:r>
+            <a:r>
+              <a:rPr dirty="0"/>
+              <a:t> </a:t>
+            </a:r>
+            <a:r>
+              <a:rPr dirty="0" err="1"/>
+              <a:t>מפה</a:t>
+            </a:r>
+            <a:r>
+              <a:rPr dirty="0"/>
+              <a:t> </a:t>
+            </a:r>
+            <a:r>
+              <a:rPr dirty="0" err="1"/>
+              <a:t>ברורה</a:t>
+            </a:r>
+            <a:r>
+              <a:rPr dirty="0"/>
+              <a:t> </a:t>
+            </a:r>
+            <a:r>
+              <a:rPr dirty="0" err="1"/>
+              <a:t>וממשק</a:t>
+            </a:r>
+            <a:r>
+              <a:rPr dirty="0"/>
+              <a:t> </a:t>
+            </a:r>
+            <a:r>
+              <a:rPr dirty="0" err="1"/>
+              <a:t>אינטואיטיבי</a:t>
             </a:r>
             <a:r>
               <a:rPr dirty="0"/>
@@ -4299,9 +4561,20 @@
           <a:bodyPr/>
           <a:lstStyle/>
           <a:p>
-            <a:r>
-              <a:t>גבולות המשחק</a:t>
-            </a:r>
+            <a:pPr algn="ctr"/>
+            <a:r>
+              <a:rPr dirty="0" err="1"/>
+              <a:t>תוצאות</a:t>
+            </a:r>
+            <a:r>
+              <a:rPr dirty="0"/>
+              <a:t> </a:t>
+            </a:r>
+            <a:r>
+              <a:rPr dirty="0" err="1"/>
+              <a:t>המשחק</a:t>
+            </a:r>
+            <a:endParaRPr dirty="0"/>
           </a:p>
         </p:txBody>
       </p:sp>
@@ -4323,27 +4596,161 @@
             <a:pPr algn="r" rtl="1"/>
             <a:r>
               <a:rPr dirty="0" err="1"/>
-              <a:t>העולם</a:t>
-            </a:r>
-            <a:r>
-              <a:rPr dirty="0"/>
-              <a:t> </a:t>
-            </a:r>
-            <a:r>
-              <a:rPr dirty="0" err="1"/>
-              <a:t>הוא</a:t>
-            </a:r>
-            <a:r>
-              <a:rPr dirty="0"/>
-              <a:t> </a:t>
-            </a:r>
-            <a:r>
-              <a:rPr dirty="0" err="1"/>
-              <a:t>סגור</a:t>
-            </a:r>
-            <a:r>
-              <a:rPr dirty="0"/>
-              <a:t> </a:t>
+              <a:t>תוצאות</a:t>
+            </a:r>
+            <a:r>
+              <a:rPr dirty="0"/>
+              <a:t> </a:t>
+            </a:r>
+            <a:r>
+              <a:rPr dirty="0" err="1"/>
+              <a:t>אפשריות</a:t>
+            </a:r>
+            <a:r>
+              <a:rPr dirty="0"/>
+              <a:t>: </a:t>
+            </a:r>
+            <a:r>
+              <a:rPr dirty="0" err="1"/>
+              <a:t>ניצחון</a:t>
+            </a:r>
+            <a:r>
+              <a:rPr dirty="0"/>
+              <a:t>, </a:t>
+            </a:r>
+            <a:r>
+              <a:rPr dirty="0" err="1"/>
+              <a:t>מקום</a:t>
+            </a:r>
+            <a:r>
+              <a:rPr dirty="0"/>
+              <a:t> </a:t>
+            </a:r>
+            <a:r>
+              <a:rPr dirty="0" err="1"/>
+              <a:t>שני</a:t>
+            </a:r>
+            <a:r>
+              <a:rPr dirty="0"/>
+              <a:t>, </a:t>
+            </a:r>
+            <a:r>
+              <a:rPr dirty="0" err="1"/>
+              <a:t>שלישי</a:t>
+            </a:r>
+            <a:r>
+              <a:rPr dirty="0"/>
+              <a:t> </a:t>
+            </a:r>
+            <a:r>
+              <a:rPr dirty="0" err="1"/>
+              <a:t>או</a:t>
+            </a:r>
+            <a:r>
+              <a:rPr dirty="0"/>
+              <a:t> </a:t>
+            </a:r>
+            <a:r>
+              <a:rPr dirty="0" err="1"/>
+              <a:t>רביעי</a:t>
+            </a:r>
+            <a:r>
+              <a:rPr dirty="0"/>
+              <a:t>.</a:t>
+            </a:r>
+          </a:p>
+          <a:p>
+            <a:pPr algn="r" rtl="1"/>
+            <a:r>
+              <a:rPr dirty="0" err="1"/>
+              <a:t>השחקן</a:t>
+            </a:r>
+            <a:r>
+              <a:rPr dirty="0"/>
+              <a:t> </a:t>
+            </a:r>
+            <a:r>
+              <a:rPr dirty="0" err="1"/>
+              <a:t>יודע</a:t>
+            </a:r>
+            <a:r>
+              <a:rPr dirty="0"/>
+              <a:t> </a:t>
+            </a:r>
+            <a:r>
+              <a:rPr dirty="0" err="1"/>
+              <a:t>מראש</a:t>
+            </a:r>
+            <a:r>
+              <a:rPr dirty="0"/>
+              <a:t> </a:t>
+            </a:r>
+            <a:r>
+              <a:rPr dirty="0" err="1"/>
+              <a:t>את</a:t>
+            </a:r>
+            <a:r>
+              <a:rPr dirty="0"/>
+              <a:t> </a:t>
+            </a:r>
+            <a:r>
+              <a:rPr dirty="0" err="1"/>
+              <a:t>רוב</a:t>
+            </a:r>
+            <a:r>
+              <a:rPr dirty="0"/>
+              <a:t> </a:t>
+            </a:r>
+            <a:r>
+              <a:rPr dirty="0" err="1"/>
+              <a:t>התוצאות</a:t>
+            </a:r>
+            <a:r>
+              <a:rPr dirty="0"/>
+              <a:t> </a:t>
+            </a:r>
+            <a:r>
+              <a:rPr dirty="0" err="1"/>
+              <a:t>האפשריות</a:t>
+            </a:r>
+            <a:r>
+              <a:rPr dirty="0"/>
+              <a:t>.</a:t>
+            </a:r>
+          </a:p>
+          <a:p>
+            <a:pPr algn="r" rtl="1"/>
+            <a:r>
+              <a:rPr dirty="0" err="1"/>
+              <a:t>התוצאה</a:t>
+            </a:r>
+            <a:r>
+              <a:rPr dirty="0"/>
+              <a:t> </a:t>
+            </a:r>
+            <a:r>
+              <a:rPr dirty="0" err="1"/>
+              <a:t>תלויה</a:t>
+            </a:r>
+            <a:r>
+              <a:rPr dirty="0"/>
+              <a:t> </a:t>
+            </a:r>
+            <a:r>
+              <a:rPr dirty="0" err="1"/>
+              <a:t>בעיקר</a:t>
+            </a:r>
+            <a:r>
+              <a:rPr dirty="0"/>
+              <a:t> </a:t>
+            </a:r>
+            <a:r>
+              <a:rPr dirty="0" err="1"/>
+              <a:t>בכישרון</a:t>
+            </a:r>
+            <a:r>
+              <a:rPr dirty="0"/>
+              <a:t>, </a:t>
             </a:r>
             <a:r>
               <a:rPr dirty="0" err="1"/>
@@ -4355,181 +4762,31 @@
             </a:r>
             <a:r>
               <a:rPr dirty="0" err="1"/>
-              <a:t>מסלולים</a:t>
-            </a:r>
-            <a:r>
-              <a:rPr dirty="0"/>
-              <a:t> </a:t>
-            </a:r>
-            <a:r>
-              <a:rPr dirty="0" err="1"/>
-              <a:t>מוגדרים</a:t>
-            </a:r>
-            <a:r>
-              <a:rPr dirty="0"/>
-              <a:t> </a:t>
-            </a:r>
-            <a:r>
-              <a:rPr dirty="0" err="1"/>
-              <a:t>מראש</a:t>
-            </a:r>
-            <a:r>
-              <a:rPr dirty="0"/>
-              <a:t>.</a:t>
-            </a:r>
-          </a:p>
-          <a:p>
-            <a:pPr algn="r" rtl="1"/>
-            <a:r>
-              <a:rPr dirty="0" err="1"/>
-              <a:t>כל</a:t>
-            </a:r>
-            <a:r>
-              <a:rPr dirty="0"/>
-              <a:t> </a:t>
-            </a:r>
-            <a:r>
-              <a:rPr dirty="0" err="1"/>
-              <a:t>מקום</a:t>
-            </a:r>
-            <a:r>
-              <a:rPr dirty="0"/>
-              <a:t> </a:t>
-            </a:r>
-            <a:r>
-              <a:rPr dirty="0" err="1"/>
-              <a:t>במסלול</a:t>
-            </a:r>
-            <a:r>
-              <a:rPr dirty="0"/>
-              <a:t> </a:t>
-            </a:r>
-            <a:r>
-              <a:rPr dirty="0" err="1"/>
-              <a:t>מתוכנן</a:t>
-            </a:r>
-            <a:r>
-              <a:rPr dirty="0"/>
-              <a:t> </a:t>
-            </a:r>
-            <a:r>
-              <a:rPr dirty="0" err="1"/>
-              <a:t>בקפידה</a:t>
-            </a:r>
-            <a:r>
-              <a:rPr dirty="0"/>
-              <a:t> </a:t>
-            </a:r>
-            <a:r>
-              <a:rPr dirty="0" err="1"/>
-              <a:t>כדי</a:t>
-            </a:r>
-            <a:r>
-              <a:rPr dirty="0"/>
-              <a:t> </a:t>
-            </a:r>
-            <a:r>
-              <a:rPr dirty="0" err="1"/>
-              <a:t>ליצור</a:t>
-            </a:r>
-            <a:r>
-              <a:rPr dirty="0"/>
-              <a:t> </a:t>
-            </a:r>
-            <a:r>
-              <a:rPr dirty="0" err="1"/>
-              <a:t>חוויית</a:t>
-            </a:r>
-            <a:r>
-              <a:rPr dirty="0"/>
-              <a:t> </a:t>
-            </a:r>
-            <a:r>
-              <a:rPr dirty="0" err="1"/>
-              <a:t>משחק</a:t>
-            </a:r>
-            <a:r>
-              <a:rPr dirty="0"/>
-              <a:t> </a:t>
-            </a:r>
-            <a:r>
-              <a:rPr dirty="0" err="1"/>
-              <a:t>מאתגרת</a:t>
-            </a:r>
-            <a:r>
-              <a:rPr dirty="0"/>
-              <a:t>.</a:t>
-            </a:r>
-          </a:p>
-          <a:p>
-            <a:pPr algn="r" rtl="1"/>
-            <a:r>
-              <a:rPr dirty="0" err="1"/>
-              <a:t>קל</a:t>
-            </a:r>
-            <a:r>
-              <a:rPr dirty="0"/>
-              <a:t> </a:t>
-            </a:r>
-            <a:r>
-              <a:rPr dirty="0" err="1"/>
-              <a:t>להתמצא</a:t>
-            </a:r>
-            <a:r>
-              <a:rPr dirty="0"/>
-              <a:t> </a:t>
-            </a:r>
-            <a:r>
-              <a:rPr dirty="0" err="1"/>
-              <a:t>בעולם</a:t>
-            </a:r>
-            <a:r>
-              <a:rPr dirty="0"/>
-              <a:t> </a:t>
-            </a:r>
-            <a:r>
-              <a:rPr dirty="0" err="1"/>
-              <a:t>המשחק</a:t>
-            </a:r>
-            <a:r>
-              <a:rPr dirty="0"/>
-              <a:t> </a:t>
-            </a:r>
-            <a:r>
-              <a:rPr dirty="0" err="1"/>
-              <a:t>בזכות</a:t>
-            </a:r>
-            <a:r>
-              <a:rPr dirty="0"/>
-              <a:t> </a:t>
-            </a:r>
-            <a:r>
-              <a:rPr dirty="0" err="1"/>
-              <a:t>מפה</a:t>
-            </a:r>
-            <a:r>
-              <a:rPr dirty="0"/>
-              <a:t> </a:t>
-            </a:r>
-            <a:r>
-              <a:rPr dirty="0" err="1"/>
-              <a:t>ברורה</a:t>
-            </a:r>
-            <a:r>
-              <a:rPr dirty="0"/>
-              <a:t> </a:t>
-            </a:r>
-            <a:r>
-              <a:rPr dirty="0" err="1"/>
-              <a:t>וממשק</a:t>
-            </a:r>
-            <a:r>
-              <a:rPr dirty="0"/>
-              <a:t> </a:t>
-            </a:r>
-            <a:r>
-              <a:rPr dirty="0" err="1"/>
-              <a:t>אינטואיטיבי</a:t>
+              <a:t>מעט</a:t>
+            </a:r>
+            <a:r>
+              <a:rPr dirty="0"/>
+              <a:t> </a:t>
+            </a:r>
+            <a:r>
+              <a:rPr dirty="0" err="1"/>
+              <a:t>השפעה</a:t>
+            </a:r>
+            <a:r>
+              <a:rPr dirty="0"/>
+              <a:t> </a:t>
+            </a:r>
+            <a:r>
+              <a:rPr dirty="0" err="1"/>
+              <a:t>של</a:t>
+            </a:r>
+            <a:r>
+              <a:rPr dirty="0"/>
+              <a:t> </a:t>
+            </a:r>
+            <a:r>
+              <a:rPr dirty="0" err="1"/>
+              <a:t>מזל</a:t>
             </a:r>
             <a:r>
               <a:rPr dirty="0"/>
@@ -4578,9 +4835,20 @@
           <a:bodyPr/>
           <a:lstStyle/>
           <a:p>
-            <a:r>
-              <a:t>תוצאות המשחק</a:t>
-            </a:r>
+            <a:pPr algn="ctr"/>
+            <a:r>
+              <a:rPr dirty="0" err="1"/>
+              <a:t>רכיב</a:t>
+            </a:r>
+            <a:r>
+              <a:rPr dirty="0"/>
+              <a:t> </a:t>
+            </a:r>
+            <a:r>
+              <a:rPr dirty="0" err="1"/>
+              <a:t>ייחודי</a:t>
+            </a:r>
+            <a:endParaRPr dirty="0"/>
           </a:p>
         </p:txBody>
       </p:sp>
@@ -4601,271 +4869,30 @@
           <a:p>
             <a:pPr algn="r" rtl="1"/>
             <a:r>
-              <a:rPr dirty="0" err="1"/>
-              <a:t>תוצאות</a:t>
-            </a:r>
-            <a:r>
-              <a:rPr dirty="0"/>
-              <a:t> </a:t>
-            </a:r>
-            <a:r>
-              <a:rPr dirty="0" err="1"/>
-              <a:t>אפשריות</a:t>
-            </a:r>
-            <a:r>
-              <a:rPr dirty="0"/>
-              <a:t>: </a:t>
-            </a:r>
-            <a:r>
-              <a:rPr dirty="0" err="1"/>
-              <a:t>ניצחון</a:t>
-            </a:r>
-            <a:r>
-              <a:rPr dirty="0"/>
-              <a:t>, </a:t>
-            </a:r>
-            <a:r>
-              <a:rPr dirty="0" err="1"/>
-              <a:t>מקום</a:t>
-            </a:r>
-            <a:r>
-              <a:rPr dirty="0"/>
-              <a:t> </a:t>
-            </a:r>
-            <a:r>
-              <a:rPr dirty="0" err="1"/>
-              <a:t>שני</a:t>
-            </a:r>
-            <a:r>
-              <a:rPr dirty="0"/>
-              <a:t>, </a:t>
-            </a:r>
-            <a:r>
-              <a:rPr dirty="0" err="1"/>
-              <a:t>שלישי</a:t>
-            </a:r>
-            <a:r>
-              <a:rPr dirty="0"/>
-              <a:t> </a:t>
-            </a:r>
-            <a:r>
-              <a:rPr dirty="0" err="1"/>
-              <a:t>או</a:t>
-            </a:r>
-            <a:r>
-              <a:rPr dirty="0"/>
-              <a:t> </a:t>
-            </a:r>
-            <a:r>
-              <a:rPr dirty="0" err="1"/>
-              <a:t>רביעי</a:t>
-            </a:r>
-            <a:r>
-              <a:rPr dirty="0"/>
-              <a:t>.</a:t>
+              <a:rPr lang="he-IL" dirty="0"/>
+              <a:t>התחרות שקיימת במשחק, כלומר המשחק מול משתתפים אחרים וזה מוסיף אתגר.</a:t>
             </a:r>
           </a:p>
           <a:p>
             <a:pPr algn="r" rtl="1"/>
             <a:r>
-              <a:rPr dirty="0" err="1"/>
-              <a:t>השחקן</a:t>
-            </a:r>
-            <a:r>
-              <a:rPr dirty="0"/>
-              <a:t> </a:t>
-            </a:r>
-            <a:r>
-              <a:rPr dirty="0" err="1"/>
-              <a:t>יודע</a:t>
-            </a:r>
-            <a:r>
-              <a:rPr dirty="0"/>
-              <a:t> </a:t>
-            </a:r>
-            <a:r>
-              <a:rPr dirty="0" err="1"/>
-              <a:t>מראש</a:t>
-            </a:r>
-            <a:r>
-              <a:rPr dirty="0"/>
-              <a:t> </a:t>
-            </a:r>
-            <a:r>
-              <a:rPr dirty="0" err="1"/>
-              <a:t>את</a:t>
-            </a:r>
-            <a:r>
-              <a:rPr dirty="0"/>
-              <a:t> </a:t>
-            </a:r>
-            <a:r>
-              <a:rPr dirty="0" err="1"/>
-              <a:t>רוב</a:t>
-            </a:r>
-            <a:r>
-              <a:rPr dirty="0"/>
-              <a:t> </a:t>
-            </a:r>
-            <a:r>
-              <a:rPr dirty="0" err="1"/>
-              <a:t>התוצאות</a:t>
-            </a:r>
-            <a:r>
-              <a:rPr dirty="0"/>
-              <a:t> </a:t>
-            </a:r>
-            <a:r>
-              <a:rPr dirty="0" err="1"/>
-              <a:t>האפשריות</a:t>
-            </a:r>
-            <a:r>
-              <a:rPr dirty="0"/>
-              <a:t>.</a:t>
+              <a:rPr lang="he-IL" dirty="0"/>
+              <a:t>הפשטות במשחק</a:t>
+            </a:r>
+            <a:r>
+              <a:rPr lang="he-IL"/>
+              <a:t>, החוקים </a:t>
+            </a:r>
+            <a:r>
+              <a:rPr lang="he-IL" dirty="0"/>
+              <a:t>נורא פשוטים, אין יותר מדי הוראות מה שנותן לכול אדם תחושה שהוא מסוגל להצליח במשחק.</a:t>
             </a:r>
           </a:p>
           <a:p>
             <a:pPr algn="r" rtl="1"/>
             <a:r>
-              <a:rPr dirty="0" err="1"/>
-              <a:t>התוצאה</a:t>
-            </a:r>
-            <a:r>
-              <a:rPr dirty="0"/>
-              <a:t> </a:t>
-            </a:r>
-            <a:r>
-              <a:rPr dirty="0" err="1"/>
-              <a:t>תלויה</a:t>
-            </a:r>
-            <a:r>
-              <a:rPr dirty="0"/>
-              <a:t> </a:t>
-            </a:r>
-            <a:r>
-              <a:rPr dirty="0" err="1"/>
-              <a:t>בעיקר</a:t>
-            </a:r>
-            <a:r>
-              <a:rPr dirty="0"/>
-              <a:t> </a:t>
-            </a:r>
-            <a:r>
-              <a:rPr dirty="0" err="1"/>
-              <a:t>בכישרון</a:t>
-            </a:r>
-            <a:r>
-              <a:rPr dirty="0"/>
-              <a:t>, </a:t>
-            </a:r>
-            <a:r>
-              <a:rPr dirty="0" err="1"/>
-              <a:t>עם</a:t>
-            </a:r>
-            <a:r>
-              <a:rPr dirty="0"/>
-              <a:t> </a:t>
-            </a:r>
-            <a:r>
-              <a:rPr dirty="0" err="1"/>
-              <a:t>מעט</a:t>
-            </a:r>
-            <a:r>
-              <a:rPr dirty="0"/>
-              <a:t> </a:t>
-            </a:r>
-            <a:r>
-              <a:rPr dirty="0" err="1"/>
-              <a:t>השפעה</a:t>
-            </a:r>
-            <a:r>
-              <a:rPr dirty="0"/>
-              <a:t> </a:t>
-            </a:r>
-            <a:r>
-              <a:rPr dirty="0" err="1"/>
-              <a:t>של</a:t>
-            </a:r>
-            <a:r>
-              <a:rPr dirty="0"/>
-              <a:t> </a:t>
-            </a:r>
-            <a:r>
-              <a:rPr dirty="0" err="1"/>
-              <a:t>מזל</a:t>
-            </a:r>
-            <a:r>
-              <a:rPr dirty="0"/>
-              <a:t>.</a:t>
-            </a:r>
-          </a:p>
-        </p:txBody>
-      </p:sp>
-    </p:spTree>
-  </p:cSld>
-  <p:clrMapOvr>
-    <a:masterClrMapping/>
-  </p:clrMapOvr>
-</p:sld>
-</file>
-
-<file path=ppt/slides/slide14.xml><?xml version="1.0" encoding="utf-8"?>
-<p:sld xmlns:a="http://schemas.openxmlformats.org/drawingml/2006/main" xmlns:r="http://schemas.openxmlformats.org/officeDocument/2006/relationships" xmlns:p="http://schemas.openxmlformats.org/presentationml/2006/main">
-  <p:cSld>
-    <p:spTree>
-      <p:nvGrpSpPr>
-        <p:cNvPr id="1" name=""/>
-        <p:cNvGrpSpPr/>
-        <p:nvPr/>
-      </p:nvGrpSpPr>
-      <p:grpSpPr>
-        <a:xfrm>
-          <a:off x="0" y="0"/>
-          <a:ext cx="0" cy="0"/>
-          <a:chOff x="0" y="0"/>
-          <a:chExt cx="0" cy="0"/>
-        </a:xfrm>
-      </p:grpSpPr>
-      <p:sp>
-        <p:nvSpPr>
-          <p:cNvPr id="2" name="Title 1"/>
-          <p:cNvSpPr>
-            <a:spLocks noGrp="1"/>
-          </p:cNvSpPr>
-          <p:nvPr>
-            <p:ph type="title"/>
-          </p:nvPr>
-        </p:nvSpPr>
-        <p:spPr/>
-        <p:txBody>
-          <a:bodyPr/>
-          <a:lstStyle/>
-          <a:p>
-            <a:r>
-              <a:t>רכיב ייחודי</a:t>
-            </a:r>
-          </a:p>
-        </p:txBody>
-      </p:sp>
-      <p:sp>
-        <p:nvSpPr>
-          <p:cNvPr id="3" name="Content Placeholder 2"/>
-          <p:cNvSpPr>
-            <a:spLocks noGrp="1"/>
-          </p:cNvSpPr>
-          <p:nvPr>
-            <p:ph idx="1"/>
-          </p:nvPr>
-        </p:nvSpPr>
-        <p:spPr/>
-        <p:txBody>
-          <a:bodyPr/>
-          <a:lstStyle/>
-          <a:p>
-            <a:pPr algn="r" rtl="1"/>
-            <a:r>
               <a:rPr lang="he-IL" dirty="0"/>
-              <a:t>התחרות שקיימת במשחק, כלומר המשחק מול משתתפים אחרים הוא בעיננו הייחוד של המשחק וזה מה שיותר את האתגר במשחק הזה.</a:t>
+              <a:t>הדמויות במשחק, דמויות חמודות של בובות, נותן תחושת דיסוננס עם המשחק.</a:t>
             </a:r>
           </a:p>
         </p:txBody>
@@ -4910,7 +4937,7 @@
           <a:bodyPr/>
           <a:lstStyle/>
           <a:p>
-            <a:pPr rtl="1"/>
+            <a:pPr algn="ctr" rtl="1"/>
             <a:r>
               <a:rPr dirty="0" err="1"/>
               <a:t>מבוא</a:t>
@@ -5075,9 +5102,28 @@
           <a:bodyPr/>
           <a:lstStyle/>
           <a:p>
-            <a:r>
-              <a:t>שחקנים ודפוסי אינטראקציה</a:t>
-            </a:r>
+            <a:pPr algn="ctr"/>
+            <a:r>
+              <a:rPr dirty="0" err="1"/>
+              <a:t>שחקנים</a:t>
+            </a:r>
+            <a:r>
+              <a:rPr dirty="0"/>
+              <a:t> </a:t>
+            </a:r>
+            <a:r>
+              <a:rPr dirty="0" err="1"/>
+              <a:t>ודפוסי</a:t>
+            </a:r>
+            <a:r>
+              <a:rPr dirty="0"/>
+              <a:t> </a:t>
+            </a:r>
+            <a:r>
+              <a:rPr dirty="0" err="1"/>
+              <a:t>אינטראקציה</a:t>
+            </a:r>
+            <a:endParaRPr dirty="0"/>
           </a:p>
         </p:txBody>
       </p:sp>
@@ -5310,6 +5356,7 @@
           <a:bodyPr/>
           <a:lstStyle/>
           <a:p>
+            <a:pPr algn="ctr"/>
             <a:r>
               <a:rPr dirty="0" err="1"/>
               <a:t>יעדים</a:t>
@@ -5693,9 +5740,20 @@
           <a:bodyPr/>
           <a:lstStyle/>
           <a:p>
-            <a:r>
-              <a:t>תהליכים במשחק</a:t>
-            </a:r>
+            <a:pPr algn="ctr"/>
+            <a:r>
+              <a:rPr dirty="0" err="1"/>
+              <a:t>תהליכים</a:t>
+            </a:r>
+            <a:r>
+              <a:rPr dirty="0"/>
+              <a:t> </a:t>
+            </a:r>
+            <a:r>
+              <a:rPr dirty="0" err="1"/>
+              <a:t>במשחק</a:t>
+            </a:r>
+            <a:endParaRPr dirty="0"/>
           </a:p>
         </p:txBody>
       </p:sp>
@@ -5905,6 +5963,7 @@
           <a:bodyPr/>
           <a:lstStyle/>
           <a:p>
+            <a:pPr algn="ctr"/>
             <a:r>
               <a:rPr lang="he-IL" dirty="0"/>
               <a:t>לימוד התהליכים במשחק</a:t>
@@ -6001,17 +6060,10 @@
           <a:bodyPr/>
           <a:lstStyle/>
           <a:p>
+            <a:pPr algn="ctr"/>
             <a:r>
               <a:rPr lang="he-IL" dirty="0"/>
-              <a:t>החוקים במשחק </a:t>
-            </a:r>
-            <a:r>
-              <a:rPr lang="en-US" dirty="0" err="1"/>
-              <a:t>FunRun</a:t>
-            </a:r>
-            <a:r>
-              <a:rPr lang="en-US" dirty="0"/>
-              <a:t> 4:</a:t>
+              <a:t>החוקים במשחק</a:t>
             </a:r>
             <a:endParaRPr lang="en-IL" dirty="0"/>
           </a:p>
@@ -6055,7 +6107,7 @@
             <a:pPr algn="r" rtl="1"/>
             <a:r>
               <a:rPr lang="he-IL" dirty="0"/>
-              <a:t>המכשולים במהלך הדרך חייבים להימנע מהם כדי לא להאט את השחקן.</a:t>
+              <a:t>המכשולים במהלך הדרך: חייבים להימנע מהם כדי לא להאט את השחקן.</a:t>
             </a:r>
             <a:endParaRPr lang="en-IL" dirty="0"/>
           </a:p>
@@ -6112,6 +6164,7 @@
           <a:bodyPr/>
           <a:lstStyle/>
           <a:p>
+            <a:pPr algn="ctr"/>
             <a:r>
               <a:rPr lang="he-IL" dirty="0"/>
               <a:t>איך החוקים משפיעים על חוויית השחקן</a:t>
@@ -6153,7 +6206,7 @@
             <a:pPr algn="r" rtl="1"/>
             <a:r>
               <a:rPr lang="he-IL" dirty="0"/>
-              <a:t>שינוי אחד מהחוקים, לדוגמה אם המכשולים היו פחות קשים, יכול היה להפחית את רמת האתגר וההתרגשות שבמשחק, מה שהיה משפיע על חוויית השחקן.</a:t>
+              <a:t>שינוי אחד מהחוקים, לדוגמה אם המכשולים היו פחות קשים, זה יכול היה להפחית את רמת האתגר וההתרגשות שבמשחק, מה שהיה משפיע על חוויית השחקן.</a:t>
             </a:r>
           </a:p>
           <a:p>
@@ -6210,9 +6263,10 @@
           <a:bodyPr/>
           <a:lstStyle/>
           <a:p>
-            <a:r>
-              <a:rPr dirty="0" err="1"/>
-              <a:t>חוקים</a:t>
+            <a:pPr algn="ctr"/>
+            <a:r>
+              <a:rPr dirty="0" err="1"/>
+              <a:t>משאבים</a:t>
             </a:r>
             <a:r>
               <a:rPr dirty="0"/>
@@ -6238,165 +6292,205 @@
         </p:nvSpPr>
         <p:spPr/>
         <p:txBody>
-          <a:bodyPr/>
+          <a:bodyPr>
+            <a:normAutofit/>
+          </a:bodyPr>
           <a:lstStyle/>
           <a:p>
             <a:pPr algn="r" rtl="1"/>
             <a:r>
               <a:rPr dirty="0" err="1"/>
-              <a:t>חוקי</a:t>
-            </a:r>
-            <a:r>
-              <a:rPr dirty="0"/>
-              <a:t> </a:t>
-            </a:r>
-            <a:r>
-              <a:rPr dirty="0" err="1"/>
-              <a:t>המשחק</a:t>
-            </a:r>
-            <a:r>
-              <a:rPr dirty="0"/>
-              <a:t> </a:t>
+              <a:t>משאבים</a:t>
+            </a:r>
+            <a:r>
+              <a:rPr dirty="0"/>
+              <a:t>: </a:t>
+            </a:r>
+            <a:r>
+              <a:rPr dirty="0" err="1"/>
+              <a:t>מטבעות</a:t>
+            </a:r>
+            <a:r>
+              <a:rPr dirty="0"/>
+              <a:t>, </a:t>
+            </a:r>
+            <a:r>
+              <a:rPr dirty="0" err="1"/>
+              <a:t>כוחות</a:t>
+            </a:r>
+            <a:r>
+              <a:rPr dirty="0"/>
+              <a:t> </a:t>
+            </a:r>
+            <a:r>
+              <a:rPr dirty="0" err="1"/>
+              <a:t>מיוחדים</a:t>
+            </a:r>
+            <a:r>
+              <a:rPr dirty="0"/>
+              <a:t>, </a:t>
+            </a:r>
+            <a:r>
+              <a:rPr dirty="0" err="1"/>
+              <a:t>ושדרוגי</a:t>
+            </a:r>
+            <a:r>
+              <a:rPr dirty="0"/>
+              <a:t> </a:t>
+            </a:r>
+            <a:r>
+              <a:rPr dirty="0" err="1"/>
+              <a:t>דמות</a:t>
+            </a:r>
+            <a:r>
+              <a:rPr dirty="0"/>
+              <a:t>.</a:t>
+            </a:r>
+          </a:p>
+          <a:p>
+            <a:pPr algn="r" rtl="1"/>
+            <a:r>
+              <a:rPr dirty="0" err="1"/>
+              <a:t>ניתן</a:t>
+            </a:r>
+            <a:r>
+              <a:rPr dirty="0"/>
+              <a:t> </a:t>
+            </a:r>
+            <a:r>
+              <a:rPr dirty="0" err="1"/>
+              <a:t>להשיג</a:t>
+            </a:r>
+            <a:r>
+              <a:rPr dirty="0"/>
+              <a:t> </a:t>
+            </a:r>
+            <a:r>
+              <a:rPr dirty="0" err="1"/>
+              <a:t>משאבים</a:t>
+            </a:r>
+            <a:r>
+              <a:rPr dirty="0"/>
+              <a:t> </a:t>
+            </a:r>
+            <a:r>
+              <a:rPr dirty="0" err="1"/>
+              <a:t>דרך</a:t>
+            </a:r>
+            <a:r>
+              <a:rPr dirty="0"/>
+              <a:t> </a:t>
+            </a:r>
+            <a:r>
+              <a:rPr dirty="0" err="1"/>
+              <a:t>ניצחונות</a:t>
+            </a:r>
+            <a:r>
+              <a:rPr dirty="0"/>
+              <a:t> </a:t>
+            </a:r>
+            <a:r>
+              <a:rPr dirty="0" err="1"/>
+              <a:t>במשחקים</a:t>
             </a:r>
             <a:r>
               <a:rPr lang="he-IL" dirty="0"/>
-              <a:t>הם: ספרינט, קפיצה ושימוש בכוחות מיוחדים רק כאשר קיים כזה.</a:t>
-            </a:r>
-            <a:endParaRPr lang="en-IL" dirty="0"/>
+              <a:t>, במהלך הריצה במשחקים </a:t>
+            </a:r>
+            <a:r>
+              <a:rPr dirty="0" err="1"/>
+              <a:t>או</a:t>
+            </a:r>
+            <a:r>
+              <a:rPr dirty="0"/>
+              <a:t> </a:t>
+            </a:r>
+            <a:r>
+              <a:rPr dirty="0" err="1"/>
+              <a:t>רכישות</a:t>
+            </a:r>
+            <a:r>
+              <a:rPr dirty="0"/>
+              <a:t>.</a:t>
+            </a:r>
+            <a:endParaRPr lang="he-IL" dirty="0"/>
           </a:p>
           <a:p>
             <a:pPr algn="r" rtl="1"/>
             <a:r>
-              <a:rPr dirty="0" err="1"/>
-              <a:t>שינוי</a:t>
-            </a:r>
-            <a:r>
-              <a:rPr dirty="0"/>
-              <a:t> </a:t>
-            </a:r>
-            <a:r>
-              <a:rPr dirty="0" err="1"/>
-              <a:t>חוקים</a:t>
-            </a:r>
-            <a:r>
-              <a:rPr dirty="0"/>
-              <a:t> </a:t>
-            </a:r>
-            <a:r>
-              <a:rPr dirty="0" err="1"/>
-              <a:t>היה</a:t>
-            </a:r>
-            <a:r>
-              <a:rPr dirty="0"/>
-              <a:t> </a:t>
-            </a:r>
-            <a:r>
-              <a:rPr dirty="0" err="1"/>
-              <a:t>משנה</a:t>
-            </a:r>
-            <a:r>
-              <a:rPr dirty="0"/>
-              <a:t> </a:t>
-            </a:r>
-            <a:r>
-              <a:rPr dirty="0" err="1"/>
-              <a:t>את</a:t>
-            </a:r>
-            <a:r>
-              <a:rPr dirty="0"/>
-              <a:t> </a:t>
-            </a:r>
-            <a:r>
-              <a:rPr dirty="0" err="1"/>
-              <a:t>חוויית</a:t>
-            </a:r>
-            <a:r>
-              <a:rPr dirty="0"/>
-              <a:t> </a:t>
-            </a:r>
-            <a:r>
-              <a:rPr dirty="0" err="1"/>
-              <a:t>המשחק</a:t>
-            </a:r>
-            <a:r>
-              <a:rPr dirty="0"/>
-              <a:t> </a:t>
-            </a:r>
-            <a:r>
-              <a:rPr dirty="0" err="1"/>
-              <a:t>באופן</a:t>
-            </a:r>
-            <a:r>
-              <a:rPr dirty="0"/>
-              <a:t> </a:t>
-            </a:r>
-            <a:r>
-              <a:rPr dirty="0" err="1"/>
-              <a:t>משמעותי</a:t>
-            </a:r>
-            <a:r>
-              <a:rPr lang="en-IL" dirty="0"/>
-              <a:t>,</a:t>
-            </a:r>
-            <a:r>
-              <a:rPr dirty="0"/>
-              <a:t> </a:t>
-            </a:r>
-            <a:r>
-              <a:rPr dirty="0" err="1"/>
-              <a:t>למשל</a:t>
-            </a:r>
-            <a:r>
-              <a:rPr dirty="0"/>
-              <a:t> </a:t>
-            </a:r>
-            <a:r>
-              <a:rPr dirty="0" err="1"/>
-              <a:t>על</a:t>
-            </a:r>
-            <a:r>
-              <a:rPr dirty="0"/>
-              <a:t> </a:t>
-            </a:r>
-            <a:r>
-              <a:rPr dirty="0" err="1"/>
-              <a:t>ידי</a:t>
-            </a:r>
-            <a:r>
-              <a:rPr dirty="0"/>
-              <a:t> </a:t>
-            </a:r>
-            <a:r>
-              <a:rPr dirty="0" err="1"/>
-              <a:t>הקלה</a:t>
-            </a:r>
-            <a:r>
-              <a:rPr dirty="0"/>
-              <a:t> </a:t>
-            </a:r>
-            <a:r>
-              <a:rPr dirty="0" err="1"/>
-              <a:t>על</a:t>
-            </a:r>
-            <a:r>
-              <a:rPr dirty="0"/>
-              <a:t> </a:t>
-            </a:r>
-            <a:r>
-              <a:rPr dirty="0" err="1"/>
-              <a:t>מכשולים</a:t>
+              <a:rPr lang="he-IL" dirty="0"/>
+              <a:t>המשאבים מועילים לשחקן בלהפיל את היריבים,להשיג כוחות מיוחדים בזמן הריצה, ולעצב את הדמות</a:t>
+            </a:r>
+          </a:p>
+          <a:p>
+            <a:pPr algn="r" rtl="1"/>
+            <a:r>
+              <a:rPr dirty="0" err="1"/>
+              <a:t>המשאבים</a:t>
+            </a:r>
+            <a:r>
+              <a:rPr dirty="0"/>
+              <a:t> </a:t>
+            </a:r>
+            <a:r>
+              <a:rPr dirty="0" err="1"/>
+              <a:t>נדירים</a:t>
+            </a:r>
+            <a:r>
+              <a:rPr dirty="0"/>
+              <a:t> </a:t>
+            </a:r>
+            <a:r>
+              <a:rPr dirty="0" err="1"/>
+              <a:t>יחסית</a:t>
+            </a:r>
+            <a:r>
+              <a:rPr lang="he-IL" dirty="0"/>
+              <a:t> והם מופיעים באמצע המירוץ לרוב בתור סימן שאלה וצריך להשיג אותם</a:t>
+            </a:r>
+            <a:r>
+              <a:rPr dirty="0"/>
+              <a:t>, </a:t>
+            </a:r>
+            <a:r>
+              <a:rPr dirty="0" err="1"/>
+              <a:t>מה</a:t>
+            </a:r>
+            <a:r>
+              <a:rPr dirty="0"/>
+              <a:t> </a:t>
+            </a:r>
+            <a:r>
+              <a:rPr dirty="0" err="1"/>
+              <a:t>שגורם</a:t>
+            </a:r>
+            <a:r>
+              <a:rPr dirty="0"/>
+              <a:t> </a:t>
+            </a:r>
+            <a:r>
+              <a:rPr dirty="0" err="1"/>
+              <a:t>לשחקנים</a:t>
+            </a:r>
+            <a:r>
+              <a:rPr dirty="0"/>
+              <a:t> </a:t>
+            </a:r>
+            <a:r>
+              <a:rPr dirty="0" err="1"/>
+              <a:t>לתכנן</a:t>
+            </a:r>
+            <a:r>
+              <a:rPr dirty="0"/>
+              <a:t> </a:t>
+            </a:r>
+            <a:r>
+              <a:rPr dirty="0" err="1"/>
+              <a:t>אסטרטגיות</a:t>
             </a:r>
             <a:r>
               <a:rPr dirty="0"/>
               <a:t>.</a:t>
-            </a:r>
-            <a:endParaRPr lang="he-IL" dirty="0"/>
-          </a:p>
-          <a:p>
-            <a:pPr algn="r" rtl="1"/>
-            <a:r>
-              <a:rPr lang="he-IL" dirty="0"/>
-              <a:t>המשחק מניח שחוקי המשחק מובנים וראשית מתחיל ישר במרוץ התחלה שבו השחקן משאר את המקשים. תפריט המשחק מסביר על ידי הצבעה על לחצנים איך לבצע קניות וכולי...</a:t>
             </a:r>
           </a:p>
         </p:txBody>
